--- a/src/Presentación proyecto ML Clasificación rocas.pptx
+++ b/src/Presentación proyecto ML Clasificación rocas.pptx
@@ -4111,7 +4111,7 @@
         </p:nvSpPr>
         <p:spPr>
           <a:xfrm flipH="false" flipV="false" rot="0">
-            <a:off x="3318585" y="2711540"/>
+            <a:off x="388839" y="2711540"/>
             <a:ext cx="11700050" cy="7575460"/>
           </a:xfrm>
           <a:custGeom>
@@ -4203,7 +4203,53 @@
       </p:sp>
       <p:sp>
         <p:nvSpPr>
-          <p:cNvPr name="TextBox 4" id="4"/>
+          <p:cNvPr name="Freeform 4" id="4"/>
+          <p:cNvSpPr/>
+          <p:nvPr/>
+        </p:nvSpPr>
+        <p:spPr>
+          <a:xfrm flipH="false" flipV="false" rot="0">
+            <a:off x="12325377" y="4192094"/>
+            <a:ext cx="5800899" cy="4614351"/>
+          </a:xfrm>
+          <a:custGeom>
+            <a:avLst/>
+            <a:gdLst/>
+            <a:ahLst/>
+            <a:cxnLst/>
+            <a:rect r="r" b="b" t="t" l="l"/>
+            <a:pathLst>
+              <a:path h="4614351" w="5800899">
+                <a:moveTo>
+                  <a:pt x="0" y="0"/>
+                </a:moveTo>
+                <a:lnTo>
+                  <a:pt x="5800899" y="0"/>
+                </a:lnTo>
+                <a:lnTo>
+                  <a:pt x="5800899" y="4614352"/>
+                </a:lnTo>
+                <a:lnTo>
+                  <a:pt x="0" y="4614352"/>
+                </a:lnTo>
+                <a:lnTo>
+                  <a:pt x="0" y="0"/>
+                </a:lnTo>
+                <a:close/>
+              </a:path>
+            </a:pathLst>
+          </a:custGeom>
+          <a:blipFill>
+            <a:blip r:embed="rId5"/>
+            <a:stretch>
+              <a:fillRect l="0" t="0" r="0" b="0"/>
+            </a:stretch>
+          </a:blipFill>
+        </p:spPr>
+      </p:sp>
+      <p:sp>
+        <p:nvSpPr>
+          <p:cNvPr name="TextBox 5" id="5"/>
           <p:cNvSpPr txBox="true"/>
           <p:nvPr/>
         </p:nvSpPr>
